--- a/topic02/talk-1/git.pptx
+++ b/topic02/talk-1/git.pptx
@@ -9,7 +9,7 @@
     <p:sldMasterId id="2147483700" r:id="rId5"/>
   </p:sldMasterIdLst>
   <p:notesMasterIdLst>
-    <p:notesMasterId r:id="rId38"/>
+    <p:notesMasterId r:id="rId37"/>
   </p:notesMasterIdLst>
   <p:sldIdLst>
     <p:sldId id="256" r:id="rId6"/>
@@ -43,7 +43,6 @@
     <p:sldId id="284" r:id="rId34"/>
     <p:sldId id="285" r:id="rId35"/>
     <p:sldId id="286" r:id="rId36"/>
-    <p:sldId id="287" r:id="rId37"/>
   </p:sldIdLst>
   <p:sldSz cx="9144000" cy="5143500" type="screen16x9"/>
   <p:notesSz cx="6858000" cy="9144000"/>
@@ -142,6 +141,11 @@
       </a:defRPr>
     </a:lvl9pPr>
   </p:defaultTextStyle>
+  <p:extLst>
+    <p:ext uri="{EFAFB233-063F-42B5-8137-9DF3F51BA10A}">
+      <p15:sldGuideLst xmlns:p15="http://schemas.microsoft.com/office/powerpoint/2012/main"/>
+    </p:ext>
+  </p:extLst>
 </p:presentation>
 </file>
 
@@ -14130,15 +14134,24 @@
               </a:lnSpc>
             </a:pPr>
             <a:r>
-              <a:rPr lang="en-US" sz="3200">
+              <a:rPr lang="en-US" sz="3200" dirty="0" err="1">
                 <a:solidFill>
                   <a:srgbClr val="000000"/>
                 </a:solidFill>
                 <a:latin typeface="Calibri"/>
               </a:rPr>
-              <a:t>git checkout master</a:t>
-            </a:r>
-            <a:endParaRPr/>
+              <a:t>git</a:t>
+            </a:r>
+            <a:r>
+              <a:rPr lang="en-US" sz="3200" dirty="0">
+                <a:solidFill>
+                  <a:srgbClr val="000000"/>
+                </a:solidFill>
+                <a:latin typeface="Calibri"/>
+              </a:rPr>
+              <a:t> checkout master</a:t>
+            </a:r>
+            <a:endParaRPr dirty="0"/>
           </a:p>
         </p:txBody>
       </p:sp>
@@ -15669,7 +15682,7 @@
               </a:lnSpc>
             </a:pPr>
             <a:r>
-              <a:rPr lang="en-US" sz="3200">
+              <a:rPr lang="en-US" sz="3200" dirty="0">
                 <a:solidFill>
                   <a:srgbClr val="000000"/>
                 </a:solidFill>
@@ -15677,7 +15690,7 @@
               </a:rPr>
               <a:t>As before, but this time we rebase first….</a:t>
             </a:r>
-            <a:endParaRPr/>
+            <a:endParaRPr dirty="0"/>
           </a:p>
         </p:txBody>
       </p:sp>
@@ -16353,7 +16366,7 @@
         </p:nvSpPr>
         <p:spPr>
           <a:xfrm>
-            <a:off x="457200" y="3714840"/>
+            <a:off x="457200" y="3287094"/>
             <a:ext cx="8229240" cy="879480"/>
           </a:xfrm>
           <a:prstGeom prst="rect">
@@ -16372,7 +16385,7 @@
               <a:buChar char="•"/>
             </a:pPr>
             <a:r>
-              <a:rPr lang="en-US" sz="3200">
+              <a:rPr lang="en-US" sz="3200" dirty="0">
                 <a:solidFill>
                   <a:srgbClr val="000000"/>
                 </a:solidFill>
@@ -16380,7 +16393,7 @@
               </a:rPr>
               <a:t>Changes on (C) are undone and applied to (E) instead.</a:t>
             </a:r>
-            <a:endParaRPr/>
+            <a:endParaRPr dirty="0"/>
           </a:p>
           <a:p>
             <a:pPr>
@@ -16388,7 +16401,7 @@
                 <a:spcPct val="100000"/>
               </a:lnSpc>
             </a:pPr>
-            <a:endParaRPr/>
+            <a:endParaRPr dirty="0"/>
           </a:p>
         </p:txBody>
       </p:sp>
@@ -16993,6 +17006,41 @@
             <a:noFill/>
           </a:ln>
         </p:spPr>
+      </p:sp>
+      <p:sp>
+        <p:nvSpPr>
+          <p:cNvPr id="20" name="TextBox 19"/>
+          <p:cNvSpPr txBox="1"/>
+          <p:nvPr/>
+        </p:nvSpPr>
+        <p:spPr>
+          <a:xfrm>
+            <a:off x="1663247" y="4393871"/>
+            <a:ext cx="4063993" cy="646331"/>
+          </a:xfrm>
+          <a:prstGeom prst="rect">
+            <a:avLst/>
+          </a:prstGeom>
+          <a:noFill/>
+        </p:spPr>
+        <p:txBody>
+          <a:bodyPr wrap="square" rtlCol="0">
+            <a:spAutoFit/>
+          </a:bodyPr>
+          <a:lstStyle/>
+          <a:p>
+            <a:r>
+              <a:rPr lang="en-IE" dirty="0"/>
+              <a:t>git checkout bug456</a:t>
+            </a:r>
+          </a:p>
+          <a:p>
+            <a:r>
+              <a:rPr lang="en-IE" dirty="0"/>
+              <a:t>git rebase master</a:t>
+            </a:r>
+          </a:p>
+        </p:txBody>
       </p:sp>
     </p:spTree>
   </p:cSld>
@@ -23123,7 +23171,7 @@
               <a:buChar char="•"/>
             </a:pPr>
             <a:r>
-              <a:rPr lang="en-US" sz="3200">
+              <a:rPr lang="en-US" sz="3200" dirty="0">
                 <a:solidFill>
                   <a:srgbClr val="000000"/>
                 </a:solidFill>
@@ -23131,31 +23179,67 @@
               </a:rPr>
               <a:t>Update Master to what’s on remote</a:t>
             </a:r>
-            <a:endParaRPr/>
-          </a:p>
-          <a:p>
-            <a:r>
-              <a:rPr lang="en-US" sz="2800">
+            <a:endParaRPr dirty="0"/>
+          </a:p>
+          <a:p>
+            <a:r>
+              <a:rPr lang="en-US" sz="2800" dirty="0">
                 <a:solidFill>
                   <a:srgbClr val="000000"/>
                 </a:solidFill>
                 <a:latin typeface="Calibri"/>
               </a:rPr>
-              <a:t>git checkout master</a:t>
-            </a:r>
-            <a:endParaRPr/>
-          </a:p>
-          <a:p>
-            <a:r>
-              <a:rPr lang="en-US" sz="2800">
+              <a:t>     </a:t>
+            </a:r>
+            <a:r>
+              <a:rPr lang="en-US" sz="2800" dirty="0" err="1">
                 <a:solidFill>
                   <a:srgbClr val="000000"/>
                 </a:solidFill>
                 <a:latin typeface="Calibri"/>
               </a:rPr>
-              <a:t>git pull origin</a:t>
-            </a:r>
-            <a:endParaRPr/>
+              <a:t>git</a:t>
+            </a:r>
+            <a:r>
+              <a:rPr lang="en-US" sz="2800" dirty="0">
+                <a:solidFill>
+                  <a:srgbClr val="000000"/>
+                </a:solidFill>
+                <a:latin typeface="Calibri"/>
+              </a:rPr>
+              <a:t> checkout master</a:t>
+            </a:r>
+            <a:endParaRPr dirty="0"/>
+          </a:p>
+          <a:p>
+            <a:r>
+              <a:rPr lang="en-US" sz="2800" dirty="0">
+                <a:solidFill>
+                  <a:srgbClr val="000000"/>
+                </a:solidFill>
+                <a:latin typeface="Calibri"/>
+              </a:rPr>
+              <a:t>     </a:t>
+            </a:r>
+            <a:r>
+              <a:rPr lang="en-US" sz="2800" dirty="0" err="1">
+                <a:solidFill>
+                  <a:srgbClr val="000000"/>
+                </a:solidFill>
+                <a:latin typeface="Calibri"/>
+              </a:rPr>
+              <a:t>git</a:t>
+            </a:r>
+            <a:r>
+              <a:rPr lang="en-US" sz="2800" dirty="0">
+                <a:solidFill>
+                  <a:srgbClr val="000000"/>
+                </a:solidFill>
+                <a:latin typeface="Calibri"/>
+              </a:rPr>
+              <a:t> pull origin</a:t>
+            </a:r>
+            <a:endParaRPr dirty="0"/>
           </a:p>
           <a:p>
             <a:pPr>
@@ -23166,7 +23250,7 @@
               <a:buChar char="•"/>
             </a:pPr>
             <a:r>
-              <a:rPr lang="en-US" sz="3200">
+              <a:rPr lang="en-US" sz="3200" dirty="0">
                 <a:solidFill>
                   <a:srgbClr val="000000"/>
                 </a:solidFill>
@@ -23174,31 +23258,67 @@
               </a:rPr>
               <a:t>Rebase the bug123 branch</a:t>
             </a:r>
-            <a:endParaRPr/>
-          </a:p>
-          <a:p>
-            <a:r>
-              <a:rPr lang="en-US" sz="2800">
+            <a:endParaRPr dirty="0"/>
+          </a:p>
+          <a:p>
+            <a:r>
+              <a:rPr lang="en-US" sz="2800" dirty="0">
                 <a:solidFill>
                   <a:srgbClr val="000000"/>
                 </a:solidFill>
                 <a:latin typeface="Calibri"/>
               </a:rPr>
-              <a:t>git checkout bug123</a:t>
-            </a:r>
-            <a:endParaRPr/>
-          </a:p>
-          <a:p>
-            <a:r>
-              <a:rPr lang="en-US" sz="2800">
+              <a:t>    </a:t>
+            </a:r>
+            <a:r>
+              <a:rPr lang="en-US" sz="2800" dirty="0" err="1">
                 <a:solidFill>
                   <a:srgbClr val="000000"/>
                 </a:solidFill>
                 <a:latin typeface="Calibri"/>
               </a:rPr>
-              <a:t>git rebase</a:t>
-            </a:r>
-            <a:endParaRPr/>
+              <a:t>git</a:t>
+            </a:r>
+            <a:r>
+              <a:rPr lang="en-US" sz="2800" dirty="0">
+                <a:solidFill>
+                  <a:srgbClr val="000000"/>
+                </a:solidFill>
+                <a:latin typeface="Calibri"/>
+              </a:rPr>
+              <a:t> checkout bug123</a:t>
+            </a:r>
+            <a:endParaRPr dirty="0"/>
+          </a:p>
+          <a:p>
+            <a:r>
+              <a:rPr lang="en-US" sz="2800" dirty="0">
+                <a:solidFill>
+                  <a:srgbClr val="000000"/>
+                </a:solidFill>
+                <a:latin typeface="Calibri"/>
+              </a:rPr>
+              <a:t>   </a:t>
+            </a:r>
+            <a:r>
+              <a:rPr lang="en-US" sz="2800" dirty="0" err="1">
+                <a:solidFill>
+                  <a:srgbClr val="000000"/>
+                </a:solidFill>
+                <a:latin typeface="Calibri"/>
+              </a:rPr>
+              <a:t>git</a:t>
+            </a:r>
+            <a:r>
+              <a:rPr lang="en-US" sz="2800" dirty="0">
+                <a:solidFill>
+                  <a:srgbClr val="000000"/>
+                </a:solidFill>
+                <a:latin typeface="Calibri"/>
+              </a:rPr>
+              <a:t> rebase</a:t>
+            </a:r>
+            <a:endParaRPr dirty="0"/>
           </a:p>
           <a:p>
             <a:pPr>
@@ -23206,7 +23326,7 @@
                 <a:spcPct val="100000"/>
               </a:lnSpc>
             </a:pPr>
-            <a:endParaRPr/>
+            <a:endParaRPr dirty="0"/>
           </a:p>
         </p:txBody>
       </p:sp>
@@ -23858,100 +23978,6 @@
         </p:txBody>
       </p:sp>
     </p:spTree>
-  </p:cSld>
-  <p:clrMapOvr>
-    <a:masterClrMapping/>
-  </p:clrMapOvr>
-</p:sld>
-</file>
-
-<file path=ppt/slides/slide32.xml><?xml version="1.0" encoding="utf-8"?>
-<p:sld xmlns:a="http://schemas.openxmlformats.org/drawingml/2006/main" xmlns:r="http://schemas.openxmlformats.org/officeDocument/2006/relationships" xmlns:p="http://schemas.openxmlformats.org/presentationml/2006/main">
-  <p:cSld>
-    <p:spTree>
-      <p:nvGrpSpPr>
-        <p:cNvPr id="1" name=""/>
-        <p:cNvGrpSpPr/>
-        <p:nvPr/>
-      </p:nvGrpSpPr>
-      <p:grpSpPr>
-        <a:xfrm>
-          <a:off x="0" y="0"/>
-          <a:ext cx="0" cy="0"/>
-          <a:chOff x="0" y="0"/>
-          <a:chExt cx="0" cy="0"/>
-        </a:xfrm>
-      </p:grpSpPr>
-      <p:sp>
-        <p:nvSpPr>
-          <p:cNvPr id="2" name="Title 1"/>
-          <p:cNvSpPr>
-            <a:spLocks noGrp="1"/>
-          </p:cNvSpPr>
-          <p:nvPr>
-            <p:ph type="title"/>
-          </p:nvPr>
-        </p:nvSpPr>
-        <p:spPr/>
-        <p:txBody>
-          <a:bodyPr/>
-          <a:lstStyle/>
-          <a:p>
-            <a:r>
-              <a:rPr lang="en-IE" dirty="0"/>
-              <a:t>Summary</a:t>
-            </a:r>
-          </a:p>
-        </p:txBody>
-      </p:sp>
-      <p:sp>
-        <p:nvSpPr>
-          <p:cNvPr id="3" name="Subtitle 2"/>
-          <p:cNvSpPr>
-            <a:spLocks noGrp="1"/>
-          </p:cNvSpPr>
-          <p:nvPr>
-            <p:ph type="subTitle"/>
-          </p:nvPr>
-        </p:nvSpPr>
-        <p:spPr/>
-        <p:txBody>
-          <a:bodyPr/>
-          <a:lstStyle/>
-          <a:p>
-            <a:r>
-              <a:rPr lang="en-IE" dirty="0"/>
-              <a:t>Add, Commit, Push</a:t>
-            </a:r>
-          </a:p>
-          <a:p>
-            <a:pPr lvl="1"/>
-            <a:r>
-              <a:rPr lang="en-IE" dirty="0"/>
-              <a:t>This will get you through this module</a:t>
-            </a:r>
-          </a:p>
-          <a:p>
-            <a:r>
-              <a:rPr lang="en-IE" dirty="0"/>
-              <a:t>Branch, Merge, Rebase</a:t>
-            </a:r>
-          </a:p>
-          <a:p>
-            <a:pPr lvl="1"/>
-            <a:r>
-              <a:rPr lang="en-IE" dirty="0"/>
-              <a:t>Allow for collaborations, bug fixes, multiple versions…</a:t>
-            </a:r>
-          </a:p>
-        </p:txBody>
-      </p:sp>
-    </p:spTree>
-    <p:extLst>
-      <p:ext uri="{BB962C8B-B14F-4D97-AF65-F5344CB8AC3E}">
-        <p14:creationId xmlns:p14="http://schemas.microsoft.com/office/powerpoint/2010/main" val="2361203100"/>
-      </p:ext>
-    </p:extLst>
   </p:cSld>
   <p:clrMapOvr>
     <a:masterClrMapping/>
